--- a/CapstoneProject1/Capstone1PPT.pptx
+++ b/CapstoneProject1/Capstone1PPT.pptx
@@ -5,7 +5,7 @@
     <p:sldMasterId id="2147483660" r:id="rId1"/>
   </p:sldMasterIdLst>
   <p:notesMasterIdLst>
-    <p:notesMasterId r:id="rId20"/>
+    <p:notesMasterId r:id="rId31"/>
   </p:notesMasterIdLst>
   <p:sldIdLst>
     <p:sldId id="256" r:id="rId2"/>
@@ -26,6 +26,17 @@
     <p:sldId id="272" r:id="rId17"/>
     <p:sldId id="274" r:id="rId18"/>
     <p:sldId id="275" r:id="rId19"/>
+    <p:sldId id="278" r:id="rId20"/>
+    <p:sldId id="279" r:id="rId21"/>
+    <p:sldId id="280" r:id="rId22"/>
+    <p:sldId id="281" r:id="rId23"/>
+    <p:sldId id="282" r:id="rId24"/>
+    <p:sldId id="283" r:id="rId25"/>
+    <p:sldId id="284" r:id="rId26"/>
+    <p:sldId id="286" r:id="rId27"/>
+    <p:sldId id="287" r:id="rId28"/>
+    <p:sldId id="288" r:id="rId29"/>
+    <p:sldId id="285" r:id="rId30"/>
   </p:sldIdLst>
   <p:sldSz cx="9144000" cy="6858000" type="screen4x3"/>
   <p:notesSz cx="6858000" cy="9144000"/>
@@ -3908,6 +3919,13 @@
   <p:clrMapOvr>
     <a:masterClrMapping/>
   </p:clrMapOvr>
+  <p:timing>
+    <p:tnLst>
+      <p:par>
+        <p:cTn xmlns:p14="http://schemas.microsoft.com/office/powerpoint/2010/main" id="1" dur="indefinite" restart="never" nodeType="tmRoot"/>
+      </p:par>
+    </p:tnLst>
+  </p:timing>
 </p:sld>
 </file>
 
@@ -4230,6 +4248,13 @@
   <p:clrMapOvr>
     <a:masterClrMapping/>
   </p:clrMapOvr>
+  <p:timing>
+    <p:tnLst>
+      <p:par>
+        <p:cTn xmlns:p14="http://schemas.microsoft.com/office/powerpoint/2010/main" id="1" dur="indefinite" restart="never" nodeType="tmRoot"/>
+      </p:par>
+    </p:tnLst>
+  </p:timing>
 </p:sld>
 </file>
 
@@ -4364,6 +4389,13 @@
   <p:clrMapOvr>
     <a:masterClrMapping/>
   </p:clrMapOvr>
+  <p:timing>
+    <p:tnLst>
+      <p:par>
+        <p:cTn xmlns:p14="http://schemas.microsoft.com/office/powerpoint/2010/main" id="1" dur="indefinite" restart="never" nodeType="tmRoot"/>
+      </p:par>
+    </p:tnLst>
+  </p:timing>
 </p:sld>
 </file>
 
@@ -4530,6 +4562,13 @@
   <p:clrMapOvr>
     <a:masterClrMapping/>
   </p:clrMapOvr>
+  <p:timing>
+    <p:tnLst>
+      <p:par>
+        <p:cTn xmlns:p14="http://schemas.microsoft.com/office/powerpoint/2010/main" id="1" dur="indefinite" restart="never" nodeType="tmRoot"/>
+      </p:par>
+    </p:tnLst>
+  </p:timing>
 </p:sld>
 </file>
 
@@ -4669,6 +4708,13 @@
   <p:clrMapOvr>
     <a:masterClrMapping/>
   </p:clrMapOvr>
+  <p:timing>
+    <p:tnLst>
+      <p:par>
+        <p:cTn xmlns:p14="http://schemas.microsoft.com/office/powerpoint/2010/main" id="1" dur="indefinite" restart="never" nodeType="tmRoot"/>
+      </p:par>
+    </p:tnLst>
+  </p:timing>
 </p:sld>
 </file>
 
@@ -4825,6 +4871,13 @@
   <p:clrMapOvr>
     <a:masterClrMapping/>
   </p:clrMapOvr>
+  <p:timing>
+    <p:tnLst>
+      <p:par>
+        <p:cTn xmlns:p14="http://schemas.microsoft.com/office/powerpoint/2010/main" id="1" dur="indefinite" restart="never" nodeType="tmRoot"/>
+      </p:par>
+    </p:tnLst>
+  </p:timing>
 </p:sld>
 </file>
 
@@ -4957,6 +5010,13 @@
   <p:clrMapOvr>
     <a:masterClrMapping/>
   </p:clrMapOvr>
+  <p:timing>
+    <p:tnLst>
+      <p:par>
+        <p:cTn xmlns:p14="http://schemas.microsoft.com/office/powerpoint/2010/main" id="1" dur="indefinite" restart="never" nodeType="tmRoot"/>
+      </p:par>
+    </p:tnLst>
+  </p:timing>
 </p:sld>
 </file>
 
@@ -5104,6 +5164,13 @@
   <p:clrMapOvr>
     <a:masterClrMapping/>
   </p:clrMapOvr>
+  <p:timing>
+    <p:tnLst>
+      <p:par>
+        <p:cTn xmlns:p14="http://schemas.microsoft.com/office/powerpoint/2010/main" id="1" dur="indefinite" restart="never" nodeType="tmRoot"/>
+      </p:par>
+    </p:tnLst>
+  </p:timing>
 </p:sld>
 </file>
 
@@ -5361,6 +5428,13 @@
   <p:clrMapOvr>
     <a:masterClrMapping/>
   </p:clrMapOvr>
+  <p:timing>
+    <p:tnLst>
+      <p:par>
+        <p:cTn xmlns:p14="http://schemas.microsoft.com/office/powerpoint/2010/main" id="1" dur="indefinite" restart="never" nodeType="tmRoot"/>
+      </p:par>
+    </p:tnLst>
+  </p:timing>
 </p:sld>
 </file>
 
@@ -5627,6 +5701,167 @@
   <p:clrMapOvr>
     <a:masterClrMapping/>
   </p:clrMapOvr>
+  <p:timing>
+    <p:tnLst>
+      <p:par>
+        <p:cTn xmlns:p14="http://schemas.microsoft.com/office/powerpoint/2010/main" id="1" dur="indefinite" restart="never" nodeType="tmRoot"/>
+      </p:par>
+    </p:tnLst>
+  </p:timing>
+</p:sld>
+</file>
+
+<file path=ppt/slides/slide19.xml><?xml version="1.0" encoding="utf-8"?>
+<p:sld xmlns:a="http://schemas.openxmlformats.org/drawingml/2006/main" xmlns:r="http://schemas.openxmlformats.org/officeDocument/2006/relationships" xmlns:p="http://schemas.openxmlformats.org/presentationml/2006/main">
+  <p:cSld>
+    <p:spTree>
+      <p:nvGrpSpPr>
+        <p:cNvPr id="1" name=""/>
+        <p:cNvGrpSpPr/>
+        <p:nvPr/>
+      </p:nvGrpSpPr>
+      <p:grpSpPr>
+        <a:xfrm>
+          <a:off x="0" y="0"/>
+          <a:ext cx="0" cy="0"/>
+          <a:chOff x="0" y="0"/>
+          <a:chExt cx="0" cy="0"/>
+        </a:xfrm>
+      </p:grpSpPr>
+      <p:sp>
+        <p:nvSpPr>
+          <p:cNvPr id="2" name="Title 1"/>
+          <p:cNvSpPr>
+            <a:spLocks noGrp="1"/>
+          </p:cNvSpPr>
+          <p:nvPr>
+            <p:ph type="title"/>
+          </p:nvPr>
+        </p:nvSpPr>
+        <p:spPr/>
+        <p:txBody>
+          <a:bodyPr/>
+          <a:lstStyle/>
+          <a:p>
+            <a:r>
+              <a:rPr lang="en-US" dirty="0" smtClean="0"/>
+              <a:t>Machine learning</a:t>
+            </a:r>
+            <a:endParaRPr lang="en-US" dirty="0"/>
+          </a:p>
+        </p:txBody>
+      </p:sp>
+      <p:sp>
+        <p:nvSpPr>
+          <p:cNvPr id="3" name="Content Placeholder 2"/>
+          <p:cNvSpPr>
+            <a:spLocks noGrp="1"/>
+          </p:cNvSpPr>
+          <p:nvPr>
+            <p:ph idx="1"/>
+          </p:nvPr>
+        </p:nvSpPr>
+        <p:spPr>
+          <a:xfrm>
+            <a:off x="457200" y="1752600"/>
+            <a:ext cx="7620000" cy="4981934"/>
+          </a:xfrm>
+        </p:spPr>
+        <p:txBody>
+          <a:bodyPr/>
+          <a:lstStyle/>
+          <a:p>
+            <a:r>
+              <a:rPr lang="en-US" dirty="0" smtClean="0"/>
+              <a:t>Through an outside source, heart rate data was also retrieved</a:t>
+            </a:r>
+          </a:p>
+          <a:p>
+            <a:endParaRPr lang="en-US" dirty="0"/>
+          </a:p>
+          <a:p>
+            <a:endParaRPr lang="en-US" dirty="0" smtClean="0"/>
+          </a:p>
+          <a:p>
+            <a:endParaRPr lang="en-US" dirty="0"/>
+          </a:p>
+          <a:p>
+            <a:endParaRPr lang="en-US" dirty="0" smtClean="0"/>
+          </a:p>
+          <a:p>
+            <a:endParaRPr lang="en-US" dirty="0"/>
+          </a:p>
+          <a:p>
+            <a:endParaRPr lang="en-US" dirty="0" smtClean="0"/>
+          </a:p>
+          <a:p>
+            <a:endParaRPr lang="en-US" dirty="0"/>
+          </a:p>
+          <a:p>
+            <a:endParaRPr lang="en-US" dirty="0" smtClean="0"/>
+          </a:p>
+          <a:p>
+            <a:pPr marL="342900" indent="-342900">
+              <a:buFont typeface="Arial"/>
+              <a:buChar char="•"/>
+            </a:pPr>
+            <a:r>
+              <a:rPr lang="en-US" dirty="0" smtClean="0"/>
+              <a:t>‘Date’ and ‘</a:t>
+            </a:r>
+            <a:r>
+              <a:rPr lang="en-US" dirty="0" err="1" smtClean="0"/>
+              <a:t>Time_of_Day</a:t>
+            </a:r>
+            <a:r>
+              <a:rPr lang="en-US" dirty="0" smtClean="0"/>
+              <a:t>’ were added via data wrangling</a:t>
+            </a:r>
+            <a:endParaRPr lang="en-US" dirty="0"/>
+          </a:p>
+        </p:txBody>
+      </p:sp>
+      <p:pic>
+        <p:nvPicPr>
+          <p:cNvPr id="4" name="Picture 3"/>
+          <p:cNvPicPr>
+            <a:picLocks noChangeAspect="1"/>
+          </p:cNvPicPr>
+          <p:nvPr/>
+        </p:nvPicPr>
+        <p:blipFill>
+          <a:blip r:embed="rId2"/>
+          <a:stretch>
+            <a:fillRect/>
+          </a:stretch>
+        </p:blipFill>
+        <p:spPr>
+          <a:xfrm>
+            <a:off x="2822420" y="2257093"/>
+            <a:ext cx="3658028" cy="3458308"/>
+          </a:xfrm>
+          <a:prstGeom prst="rect">
+            <a:avLst/>
+          </a:prstGeom>
+        </p:spPr>
+      </p:pic>
+    </p:spTree>
+    <p:extLst>
+      <p:ext uri="{BB962C8B-B14F-4D97-AF65-F5344CB8AC3E}">
+        <p14:creationId xmlns:p14="http://schemas.microsoft.com/office/powerpoint/2010/main" val="3659072486"/>
+      </p:ext>
+    </p:extLst>
+  </p:cSld>
+  <p:clrMapOvr>
+    <a:masterClrMapping/>
+  </p:clrMapOvr>
+  <p:timing>
+    <p:tnLst>
+      <p:par>
+        <p:cTn xmlns:p14="http://schemas.microsoft.com/office/powerpoint/2010/main" id="1" dur="indefinite" restart="never" nodeType="tmRoot"/>
+      </p:par>
+    </p:tnLst>
+  </p:timing>
 </p:sld>
 </file>
 
@@ -5775,6 +6010,2304 @@
   <p:clrMapOvr>
     <a:masterClrMapping/>
   </p:clrMapOvr>
+  <p:timing>
+    <p:tnLst>
+      <p:par>
+        <p:cTn xmlns:p14="http://schemas.microsoft.com/office/powerpoint/2010/main" id="1" dur="indefinite" restart="never" nodeType="tmRoot"/>
+      </p:par>
+    </p:tnLst>
+  </p:timing>
+</p:sld>
+</file>
+
+<file path=ppt/slides/slide20.xml><?xml version="1.0" encoding="utf-8"?>
+<p:sld xmlns:a="http://schemas.openxmlformats.org/drawingml/2006/main" xmlns:r="http://schemas.openxmlformats.org/officeDocument/2006/relationships" xmlns:p="http://schemas.openxmlformats.org/presentationml/2006/main">
+  <p:cSld>
+    <p:spTree>
+      <p:nvGrpSpPr>
+        <p:cNvPr id="1" name=""/>
+        <p:cNvGrpSpPr/>
+        <p:nvPr/>
+      </p:nvGrpSpPr>
+      <p:grpSpPr>
+        <a:xfrm>
+          <a:off x="0" y="0"/>
+          <a:ext cx="0" cy="0"/>
+          <a:chOff x="0" y="0"/>
+          <a:chExt cx="0" cy="0"/>
+        </a:xfrm>
+      </p:grpSpPr>
+      <p:sp>
+        <p:nvSpPr>
+          <p:cNvPr id="2" name="Title 1"/>
+          <p:cNvSpPr>
+            <a:spLocks noGrp="1"/>
+          </p:cNvSpPr>
+          <p:nvPr>
+            <p:ph type="title"/>
+          </p:nvPr>
+        </p:nvSpPr>
+        <p:spPr/>
+        <p:txBody>
+          <a:bodyPr/>
+          <a:lstStyle/>
+          <a:p>
+            <a:r>
+              <a:rPr lang="en-US" dirty="0" smtClean="0"/>
+              <a:t>Machine learning</a:t>
+            </a:r>
+            <a:endParaRPr lang="en-US" dirty="0"/>
+          </a:p>
+        </p:txBody>
+      </p:sp>
+      <p:sp>
+        <p:nvSpPr>
+          <p:cNvPr id="3" name="Content Placeholder 2"/>
+          <p:cNvSpPr>
+            <a:spLocks noGrp="1"/>
+          </p:cNvSpPr>
+          <p:nvPr>
+            <p:ph idx="1"/>
+          </p:nvPr>
+        </p:nvSpPr>
+        <p:spPr/>
+        <p:txBody>
+          <a:bodyPr/>
+          <a:lstStyle/>
+          <a:p>
+            <a:r>
+              <a:rPr lang="en-US" dirty="0" smtClean="0"/>
+              <a:t>Supervised learning: Predicting calories burned by taking sum of heart rates per day</a:t>
+            </a:r>
+          </a:p>
+          <a:p>
+            <a:endParaRPr lang="en-US" dirty="0" smtClean="0"/>
+          </a:p>
+          <a:p>
+            <a:r>
+              <a:rPr lang="en-US" dirty="0"/>
+              <a:t>	</a:t>
+            </a:r>
+            <a:r>
+              <a:rPr lang="en-US" dirty="0" smtClean="0"/>
+              <a:t>			Chose </a:t>
+            </a:r>
+            <a:r>
+              <a:rPr lang="en-US" dirty="0" smtClean="0">
+                <a:solidFill>
+                  <a:srgbClr val="FF0000"/>
+                </a:solidFill>
+              </a:rPr>
+              <a:t>Linear Regression</a:t>
+            </a:r>
+            <a:r>
+              <a:rPr lang="en-US" dirty="0" smtClean="0"/>
+              <a:t> &amp; 				</a:t>
+            </a:r>
+            <a:r>
+              <a:rPr lang="en-US" dirty="0" smtClean="0">
+                <a:solidFill>
+                  <a:srgbClr val="FF0000"/>
+                </a:solidFill>
+              </a:rPr>
+              <a:t>Random Forest </a:t>
+            </a:r>
+            <a:r>
+              <a:rPr lang="en-US" dirty="0" err="1" smtClean="0">
+                <a:solidFill>
+                  <a:srgbClr val="FF0000"/>
+                </a:solidFill>
+              </a:rPr>
+              <a:t>Regressor</a:t>
+            </a:r>
+            <a:r>
+              <a:rPr lang="en-US" dirty="0" smtClean="0"/>
+              <a:t> 				models</a:t>
+            </a:r>
+          </a:p>
+          <a:p>
+            <a:endParaRPr lang="en-US" dirty="0"/>
+          </a:p>
+          <a:p>
+            <a:r>
+              <a:rPr lang="en-US" dirty="0" smtClean="0"/>
+              <a:t>				</a:t>
+            </a:r>
+            <a:r>
+              <a:rPr lang="en-US" dirty="0" smtClean="0">
+                <a:solidFill>
+                  <a:srgbClr val="FF0000"/>
+                </a:solidFill>
+              </a:rPr>
+              <a:t>70%</a:t>
+            </a:r>
+            <a:r>
+              <a:rPr lang="en-US" dirty="0" smtClean="0"/>
+              <a:t> of data used to </a:t>
+            </a:r>
+            <a:r>
+              <a:rPr lang="en-US" dirty="0" smtClean="0">
+                <a:solidFill>
+                  <a:srgbClr val="FF0000"/>
+                </a:solidFill>
+              </a:rPr>
+              <a:t>train</a:t>
+            </a:r>
+            <a:r>
+              <a:rPr lang="en-US" dirty="0" smtClean="0"/>
+              <a:t> 				model – remaining </a:t>
+            </a:r>
+            <a:r>
+              <a:rPr lang="en-US" dirty="0" smtClean="0">
+                <a:solidFill>
+                  <a:srgbClr val="FF0000"/>
+                </a:solidFill>
+              </a:rPr>
+              <a:t>30%</a:t>
+            </a:r>
+            <a:r>
+              <a:rPr lang="en-US" dirty="0" smtClean="0"/>
+              <a:t> left to 				test model’s performance</a:t>
+            </a:r>
+            <a:endParaRPr lang="en-US" dirty="0"/>
+          </a:p>
+        </p:txBody>
+      </p:sp>
+      <p:pic>
+        <p:nvPicPr>
+          <p:cNvPr id="4" name="Picture 3"/>
+          <p:cNvPicPr>
+            <a:picLocks noChangeAspect="1"/>
+          </p:cNvPicPr>
+          <p:nvPr/>
+        </p:nvPicPr>
+        <p:blipFill>
+          <a:blip r:embed="rId2"/>
+          <a:stretch>
+            <a:fillRect/>
+          </a:stretch>
+        </p:blipFill>
+        <p:spPr>
+          <a:xfrm>
+            <a:off x="457200" y="2777156"/>
+            <a:ext cx="3378200" cy="3009900"/>
+          </a:xfrm>
+          <a:prstGeom prst="rect">
+            <a:avLst/>
+          </a:prstGeom>
+        </p:spPr>
+      </p:pic>
+    </p:spTree>
+    <p:extLst>
+      <p:ext uri="{BB962C8B-B14F-4D97-AF65-F5344CB8AC3E}">
+        <p14:creationId xmlns:p14="http://schemas.microsoft.com/office/powerpoint/2010/main" val="263951879"/>
+      </p:ext>
+    </p:extLst>
+  </p:cSld>
+  <p:clrMapOvr>
+    <a:masterClrMapping/>
+  </p:clrMapOvr>
+  <p:timing>
+    <p:tnLst>
+      <p:par>
+        <p:cTn xmlns:p14="http://schemas.microsoft.com/office/powerpoint/2010/main" id="1" dur="indefinite" restart="never" nodeType="tmRoot"/>
+      </p:par>
+    </p:tnLst>
+  </p:timing>
+</p:sld>
+</file>
+
+<file path=ppt/slides/slide21.xml><?xml version="1.0" encoding="utf-8"?>
+<p:sld xmlns:a="http://schemas.openxmlformats.org/drawingml/2006/main" xmlns:r="http://schemas.openxmlformats.org/officeDocument/2006/relationships" xmlns:p="http://schemas.openxmlformats.org/presentationml/2006/main">
+  <p:cSld>
+    <p:spTree>
+      <p:nvGrpSpPr>
+        <p:cNvPr id="1" name=""/>
+        <p:cNvGrpSpPr/>
+        <p:nvPr/>
+      </p:nvGrpSpPr>
+      <p:grpSpPr>
+        <a:xfrm>
+          <a:off x="0" y="0"/>
+          <a:ext cx="0" cy="0"/>
+          <a:chOff x="0" y="0"/>
+          <a:chExt cx="0" cy="0"/>
+        </a:xfrm>
+      </p:grpSpPr>
+      <p:sp>
+        <p:nvSpPr>
+          <p:cNvPr id="2" name="Title 1"/>
+          <p:cNvSpPr>
+            <a:spLocks noGrp="1"/>
+          </p:cNvSpPr>
+          <p:nvPr>
+            <p:ph type="title"/>
+          </p:nvPr>
+        </p:nvSpPr>
+        <p:spPr/>
+        <p:txBody>
+          <a:bodyPr>
+            <a:normAutofit/>
+          </a:bodyPr>
+          <a:lstStyle/>
+          <a:p>
+            <a:r>
+              <a:rPr lang="en-US" sz="2400" dirty="0"/>
+              <a:t>Predicting calories burned by taking sum of heart rates per </a:t>
+            </a:r>
+            <a:r>
+              <a:rPr lang="en-US" sz="2400" dirty="0" smtClean="0"/>
+              <a:t>day</a:t>
+            </a:r>
+            <a:endParaRPr lang="en-US" sz="2400" dirty="0"/>
+          </a:p>
+        </p:txBody>
+      </p:sp>
+      <p:sp>
+        <p:nvSpPr>
+          <p:cNvPr id="3" name="Content Placeholder 2"/>
+          <p:cNvSpPr>
+            <a:spLocks noGrp="1"/>
+          </p:cNvSpPr>
+          <p:nvPr>
+            <p:ph idx="1"/>
+          </p:nvPr>
+        </p:nvSpPr>
+        <p:spPr>
+          <a:xfrm>
+            <a:off x="457199" y="1752600"/>
+            <a:ext cx="7838631" cy="4866484"/>
+          </a:xfrm>
+        </p:spPr>
+        <p:txBody>
+          <a:bodyPr>
+            <a:normAutofit lnSpcReduction="10000"/>
+          </a:bodyPr>
+          <a:lstStyle/>
+          <a:p>
+            <a:r>
+              <a:rPr lang="en-US" dirty="0" smtClean="0"/>
+              <a:t>Results:</a:t>
+            </a:r>
+          </a:p>
+          <a:p>
+            <a:endParaRPr lang="en-US" dirty="0"/>
+          </a:p>
+          <a:p>
+            <a:endParaRPr lang="en-US" dirty="0" smtClean="0"/>
+          </a:p>
+          <a:p>
+            <a:endParaRPr lang="en-US" dirty="0"/>
+          </a:p>
+          <a:p>
+            <a:endParaRPr lang="en-US" dirty="0" smtClean="0"/>
+          </a:p>
+          <a:p>
+            <a:endParaRPr lang="en-US" dirty="0"/>
+          </a:p>
+          <a:p>
+            <a:endParaRPr lang="en-US" dirty="0" smtClean="0"/>
+          </a:p>
+          <a:p>
+            <a:endParaRPr lang="en-US" dirty="0"/>
+          </a:p>
+          <a:p>
+            <a:r>
+              <a:rPr lang="en-US" dirty="0" smtClean="0">
+                <a:solidFill>
+                  <a:srgbClr val="FF0000"/>
+                </a:solidFill>
+              </a:rPr>
+              <a:t>Linear Regression</a:t>
+            </a:r>
+            <a:r>
+              <a:rPr lang="en-US" dirty="0" smtClean="0"/>
+              <a:t> model yields an average prediction error of </a:t>
+            </a:r>
+            <a:r>
+              <a:rPr lang="en-US" dirty="0" smtClean="0">
+                <a:solidFill>
+                  <a:srgbClr val="FF0000"/>
+                </a:solidFill>
+              </a:rPr>
+              <a:t>234-297</a:t>
+            </a:r>
+            <a:r>
+              <a:rPr lang="en-US" dirty="0" smtClean="0"/>
+              <a:t> calories</a:t>
+            </a:r>
+          </a:p>
+          <a:p>
+            <a:r>
+              <a:rPr lang="en-US" dirty="0" smtClean="0">
+                <a:solidFill>
+                  <a:srgbClr val="FF0000"/>
+                </a:solidFill>
+              </a:rPr>
+              <a:t>Random Forest </a:t>
+            </a:r>
+            <a:r>
+              <a:rPr lang="en-US" dirty="0" err="1" smtClean="0">
+                <a:solidFill>
+                  <a:srgbClr val="FF0000"/>
+                </a:solidFill>
+              </a:rPr>
+              <a:t>Regressor</a:t>
+            </a:r>
+            <a:r>
+              <a:rPr lang="en-US" dirty="0" smtClean="0"/>
+              <a:t> model yields an average prediction error of </a:t>
+            </a:r>
+            <a:r>
+              <a:rPr lang="en-US" dirty="0" smtClean="0">
+                <a:solidFill>
+                  <a:srgbClr val="FF0000"/>
+                </a:solidFill>
+              </a:rPr>
+              <a:t>231-303</a:t>
+            </a:r>
+            <a:r>
+              <a:rPr lang="en-US" dirty="0" smtClean="0"/>
+              <a:t> calories</a:t>
+            </a:r>
+            <a:endParaRPr lang="en-US" dirty="0"/>
+          </a:p>
+        </p:txBody>
+      </p:sp>
+      <p:pic>
+        <p:nvPicPr>
+          <p:cNvPr id="4" name="Picture 3"/>
+          <p:cNvPicPr>
+            <a:picLocks noChangeAspect="1"/>
+          </p:cNvPicPr>
+          <p:nvPr/>
+        </p:nvPicPr>
+        <p:blipFill>
+          <a:blip r:embed="rId2"/>
+          <a:stretch>
+            <a:fillRect/>
+          </a:stretch>
+        </p:blipFill>
+        <p:spPr>
+          <a:xfrm>
+            <a:off x="457200" y="2213151"/>
+            <a:ext cx="7838631" cy="2619948"/>
+          </a:xfrm>
+          <a:prstGeom prst="rect">
+            <a:avLst/>
+          </a:prstGeom>
+        </p:spPr>
+      </p:pic>
+    </p:spTree>
+    <p:extLst>
+      <p:ext uri="{BB962C8B-B14F-4D97-AF65-F5344CB8AC3E}">
+        <p14:creationId xmlns:p14="http://schemas.microsoft.com/office/powerpoint/2010/main" val="2177108952"/>
+      </p:ext>
+    </p:extLst>
+  </p:cSld>
+  <p:clrMapOvr>
+    <a:masterClrMapping/>
+  </p:clrMapOvr>
+  <p:timing>
+    <p:tnLst>
+      <p:par>
+        <p:cTn xmlns:p14="http://schemas.microsoft.com/office/powerpoint/2010/main" id="1" dur="indefinite" restart="never" nodeType="tmRoot"/>
+      </p:par>
+    </p:tnLst>
+  </p:timing>
+</p:sld>
+</file>
+
+<file path=ppt/slides/slide22.xml><?xml version="1.0" encoding="utf-8"?>
+<p:sld xmlns:a="http://schemas.openxmlformats.org/drawingml/2006/main" xmlns:r="http://schemas.openxmlformats.org/officeDocument/2006/relationships" xmlns:p="http://schemas.openxmlformats.org/presentationml/2006/main">
+  <p:cSld>
+    <p:spTree>
+      <p:nvGrpSpPr>
+        <p:cNvPr id="1" name=""/>
+        <p:cNvGrpSpPr/>
+        <p:nvPr/>
+      </p:nvGrpSpPr>
+      <p:grpSpPr>
+        <a:xfrm>
+          <a:off x="0" y="0"/>
+          <a:ext cx="0" cy="0"/>
+          <a:chOff x="0" y="0"/>
+          <a:chExt cx="0" cy="0"/>
+        </a:xfrm>
+      </p:grpSpPr>
+      <p:sp>
+        <p:nvSpPr>
+          <p:cNvPr id="2" name="Title 1"/>
+          <p:cNvSpPr>
+            <a:spLocks noGrp="1"/>
+          </p:cNvSpPr>
+          <p:nvPr>
+            <p:ph type="title"/>
+          </p:nvPr>
+        </p:nvSpPr>
+        <p:spPr/>
+        <p:txBody>
+          <a:bodyPr/>
+          <a:lstStyle/>
+          <a:p>
+            <a:r>
+              <a:rPr lang="en-US" dirty="0" smtClean="0"/>
+              <a:t>Machine learning</a:t>
+            </a:r>
+            <a:endParaRPr lang="en-US" dirty="0"/>
+          </a:p>
+        </p:txBody>
+      </p:sp>
+      <p:sp>
+        <p:nvSpPr>
+          <p:cNvPr id="3" name="Content Placeholder 2"/>
+          <p:cNvSpPr>
+            <a:spLocks noGrp="1"/>
+          </p:cNvSpPr>
+          <p:nvPr>
+            <p:ph idx="1"/>
+          </p:nvPr>
+        </p:nvSpPr>
+        <p:spPr/>
+        <p:txBody>
+          <a:bodyPr/>
+          <a:lstStyle/>
+          <a:p>
+            <a:r>
+              <a:rPr lang="en-US" dirty="0" smtClean="0"/>
+              <a:t>Include time of day (morning, afternoon, evening) and take average heart rate</a:t>
+            </a:r>
+            <a:endParaRPr lang="en-US" dirty="0"/>
+          </a:p>
+        </p:txBody>
+      </p:sp>
+      <p:pic>
+        <p:nvPicPr>
+          <p:cNvPr id="4" name="Picture 3"/>
+          <p:cNvPicPr>
+            <a:picLocks noChangeAspect="1"/>
+          </p:cNvPicPr>
+          <p:nvPr/>
+        </p:nvPicPr>
+        <p:blipFill>
+          <a:blip r:embed="rId2"/>
+          <a:stretch>
+            <a:fillRect/>
+          </a:stretch>
+        </p:blipFill>
+        <p:spPr>
+          <a:xfrm>
+            <a:off x="723900" y="3044748"/>
+            <a:ext cx="7696200" cy="2654300"/>
+          </a:xfrm>
+          <a:prstGeom prst="rect">
+            <a:avLst/>
+          </a:prstGeom>
+        </p:spPr>
+      </p:pic>
+    </p:spTree>
+    <p:extLst>
+      <p:ext uri="{BB962C8B-B14F-4D97-AF65-F5344CB8AC3E}">
+        <p14:creationId xmlns:p14="http://schemas.microsoft.com/office/powerpoint/2010/main" val="3999124584"/>
+      </p:ext>
+    </p:extLst>
+  </p:cSld>
+  <p:clrMapOvr>
+    <a:masterClrMapping/>
+  </p:clrMapOvr>
+  <p:timing>
+    <p:tnLst>
+      <p:par>
+        <p:cTn xmlns:p14="http://schemas.microsoft.com/office/powerpoint/2010/main" id="1" dur="indefinite" restart="never" nodeType="tmRoot"/>
+      </p:par>
+    </p:tnLst>
+  </p:timing>
+</p:sld>
+</file>
+
+<file path=ppt/slides/slide23.xml><?xml version="1.0" encoding="utf-8"?>
+<p:sld xmlns:a="http://schemas.openxmlformats.org/drawingml/2006/main" xmlns:r="http://schemas.openxmlformats.org/officeDocument/2006/relationships" xmlns:p="http://schemas.openxmlformats.org/presentationml/2006/main">
+  <p:cSld>
+    <p:spTree>
+      <p:nvGrpSpPr>
+        <p:cNvPr id="1" name=""/>
+        <p:cNvGrpSpPr/>
+        <p:nvPr/>
+      </p:nvGrpSpPr>
+      <p:grpSpPr>
+        <a:xfrm>
+          <a:off x="0" y="0"/>
+          <a:ext cx="0" cy="0"/>
+          <a:chOff x="0" y="0"/>
+          <a:chExt cx="0" cy="0"/>
+        </a:xfrm>
+      </p:grpSpPr>
+      <p:sp>
+        <p:nvSpPr>
+          <p:cNvPr id="2" name="Title 1"/>
+          <p:cNvSpPr>
+            <a:spLocks noGrp="1"/>
+          </p:cNvSpPr>
+          <p:nvPr>
+            <p:ph type="title"/>
+          </p:nvPr>
+        </p:nvSpPr>
+        <p:spPr/>
+        <p:txBody>
+          <a:bodyPr>
+            <a:normAutofit/>
+          </a:bodyPr>
+          <a:lstStyle/>
+          <a:p>
+            <a:r>
+              <a:rPr lang="en-US" sz="2400" dirty="0"/>
+              <a:t>Predicting calories burned by </a:t>
+            </a:r>
+            <a:r>
+              <a:rPr lang="en-US" sz="2400" dirty="0" smtClean="0"/>
+              <a:t>average heart rates by time of day</a:t>
+            </a:r>
+            <a:endParaRPr lang="en-US" sz="2400" dirty="0"/>
+          </a:p>
+        </p:txBody>
+      </p:sp>
+      <p:sp>
+        <p:nvSpPr>
+          <p:cNvPr id="3" name="Content Placeholder 2"/>
+          <p:cNvSpPr>
+            <a:spLocks noGrp="1"/>
+          </p:cNvSpPr>
+          <p:nvPr>
+            <p:ph idx="1"/>
+          </p:nvPr>
+        </p:nvSpPr>
+        <p:spPr/>
+        <p:txBody>
+          <a:bodyPr/>
+          <a:lstStyle/>
+          <a:p>
+            <a:r>
+              <a:rPr lang="en-US" dirty="0" smtClean="0"/>
+              <a:t>Can we create a model with better predictive performance?</a:t>
+            </a:r>
+          </a:p>
+          <a:p>
+            <a:endParaRPr lang="en-US" dirty="0"/>
+          </a:p>
+          <a:p>
+            <a:endParaRPr lang="en-US" dirty="0" smtClean="0"/>
+          </a:p>
+          <a:p>
+            <a:endParaRPr lang="en-US" dirty="0"/>
+          </a:p>
+          <a:p>
+            <a:endParaRPr lang="en-US" dirty="0" smtClean="0"/>
+          </a:p>
+          <a:p>
+            <a:endParaRPr lang="en-US" dirty="0"/>
+          </a:p>
+          <a:p>
+            <a:endParaRPr lang="en-US" dirty="0" smtClean="0"/>
+          </a:p>
+          <a:p>
+            <a:endParaRPr lang="en-US" dirty="0"/>
+          </a:p>
+          <a:p>
+            <a:r>
+              <a:rPr lang="en-US" dirty="0" smtClean="0"/>
+              <a:t>Both models produce smaller predictive errors, especially the Random Forest </a:t>
+            </a:r>
+            <a:r>
+              <a:rPr lang="en-US" dirty="0" err="1" smtClean="0"/>
+              <a:t>Regressor</a:t>
+            </a:r>
+            <a:r>
+              <a:rPr lang="en-US" dirty="0" smtClean="0"/>
+              <a:t> model</a:t>
+            </a:r>
+            <a:endParaRPr lang="en-US" dirty="0"/>
+          </a:p>
+        </p:txBody>
+      </p:sp>
+      <p:pic>
+        <p:nvPicPr>
+          <p:cNvPr id="6" name="Picture 5"/>
+          <p:cNvPicPr>
+            <a:picLocks noChangeAspect="1"/>
+          </p:cNvPicPr>
+          <p:nvPr/>
+        </p:nvPicPr>
+        <p:blipFill>
+          <a:blip r:embed="rId2"/>
+          <a:stretch>
+            <a:fillRect/>
+          </a:stretch>
+        </p:blipFill>
+        <p:spPr>
+          <a:xfrm>
+            <a:off x="731263" y="2436246"/>
+            <a:ext cx="7761656" cy="2412407"/>
+          </a:xfrm>
+          <a:prstGeom prst="rect">
+            <a:avLst/>
+          </a:prstGeom>
+        </p:spPr>
+      </p:pic>
+    </p:spTree>
+    <p:extLst>
+      <p:ext uri="{BB962C8B-B14F-4D97-AF65-F5344CB8AC3E}">
+        <p14:creationId xmlns:p14="http://schemas.microsoft.com/office/powerpoint/2010/main" val="4171548523"/>
+      </p:ext>
+    </p:extLst>
+  </p:cSld>
+  <p:clrMapOvr>
+    <a:masterClrMapping/>
+  </p:clrMapOvr>
+  <p:timing>
+    <p:tnLst>
+      <p:par>
+        <p:cTn xmlns:p14="http://schemas.microsoft.com/office/powerpoint/2010/main" id="1" dur="indefinite" restart="never" nodeType="tmRoot"/>
+      </p:par>
+    </p:tnLst>
+  </p:timing>
+</p:sld>
+</file>
+
+<file path=ppt/slides/slide24.xml><?xml version="1.0" encoding="utf-8"?>
+<p:sld xmlns:a="http://schemas.openxmlformats.org/drawingml/2006/main" xmlns:r="http://schemas.openxmlformats.org/officeDocument/2006/relationships" xmlns:p="http://schemas.openxmlformats.org/presentationml/2006/main">
+  <p:cSld>
+    <p:spTree>
+      <p:nvGrpSpPr>
+        <p:cNvPr id="1" name=""/>
+        <p:cNvGrpSpPr/>
+        <p:nvPr/>
+      </p:nvGrpSpPr>
+      <p:grpSpPr>
+        <a:xfrm>
+          <a:off x="0" y="0"/>
+          <a:ext cx="0" cy="0"/>
+          <a:chOff x="0" y="0"/>
+          <a:chExt cx="0" cy="0"/>
+        </a:xfrm>
+      </p:grpSpPr>
+      <p:sp>
+        <p:nvSpPr>
+          <p:cNvPr id="2" name="Title 1"/>
+          <p:cNvSpPr>
+            <a:spLocks noGrp="1"/>
+          </p:cNvSpPr>
+          <p:nvPr>
+            <p:ph type="title"/>
+          </p:nvPr>
+        </p:nvSpPr>
+        <p:spPr/>
+        <p:txBody>
+          <a:bodyPr/>
+          <a:lstStyle/>
+          <a:p>
+            <a:r>
+              <a:rPr lang="en-US" dirty="0" smtClean="0"/>
+              <a:t>Machine learning</a:t>
+            </a:r>
+            <a:endParaRPr lang="en-US" dirty="0"/>
+          </a:p>
+        </p:txBody>
+      </p:sp>
+      <p:sp>
+        <p:nvSpPr>
+          <p:cNvPr id="3" name="Content Placeholder 2"/>
+          <p:cNvSpPr>
+            <a:spLocks noGrp="1"/>
+          </p:cNvSpPr>
+          <p:nvPr>
+            <p:ph idx="1"/>
+          </p:nvPr>
+        </p:nvSpPr>
+        <p:spPr/>
+        <p:txBody>
+          <a:bodyPr/>
+          <a:lstStyle/>
+          <a:p>
+            <a:r>
+              <a:rPr lang="en-US" dirty="0" smtClean="0"/>
+              <a:t>Unsupervised Learning</a:t>
+            </a:r>
+          </a:p>
+          <a:p>
+            <a:pPr marL="800100" lvl="1" indent="-342900">
+              <a:buFont typeface="Arial"/>
+              <a:buChar char="•"/>
+            </a:pPr>
+            <a:r>
+              <a:rPr lang="en-US" dirty="0"/>
+              <a:t>N</a:t>
+            </a:r>
+            <a:r>
+              <a:rPr lang="en-US" dirty="0" smtClean="0"/>
+              <a:t>o labeled data</a:t>
+            </a:r>
+          </a:p>
+          <a:p>
+            <a:pPr marL="800100" lvl="1" indent="-342900">
+              <a:buFont typeface="Arial"/>
+              <a:buChar char="•"/>
+            </a:pPr>
+            <a:r>
+              <a:rPr lang="en-US" dirty="0"/>
+              <a:t>U</a:t>
+            </a:r>
+            <a:r>
+              <a:rPr lang="en-US" dirty="0" smtClean="0"/>
+              <a:t>ncover patterns in data</a:t>
+            </a:r>
+          </a:p>
+          <a:p>
+            <a:endParaRPr lang="en-US" dirty="0" smtClean="0"/>
+          </a:p>
+          <a:p>
+            <a:r>
+              <a:rPr lang="en-US" dirty="0" smtClean="0"/>
+              <a:t>Chosen method: K-Means Clustering</a:t>
+            </a:r>
+          </a:p>
+          <a:p>
+            <a:pPr marL="800100" lvl="1" indent="-342900">
+              <a:buFont typeface="Arial"/>
+              <a:buChar char="•"/>
+            </a:pPr>
+            <a:r>
+              <a:rPr lang="en-US" dirty="0" smtClean="0"/>
+              <a:t>Group similar data points together an discover underlying patterns</a:t>
+            </a:r>
+            <a:endParaRPr lang="en-US" dirty="0"/>
+          </a:p>
+        </p:txBody>
+      </p:sp>
+    </p:spTree>
+    <p:extLst>
+      <p:ext uri="{BB962C8B-B14F-4D97-AF65-F5344CB8AC3E}">
+        <p14:creationId xmlns:p14="http://schemas.microsoft.com/office/powerpoint/2010/main" val="3856455987"/>
+      </p:ext>
+    </p:extLst>
+  </p:cSld>
+  <p:clrMapOvr>
+    <a:masterClrMapping/>
+  </p:clrMapOvr>
+  <p:timing>
+    <p:tnLst>
+      <p:par>
+        <p:cTn xmlns:p14="http://schemas.microsoft.com/office/powerpoint/2010/main" id="1" dur="indefinite" restart="never" nodeType="tmRoot"/>
+      </p:par>
+    </p:tnLst>
+  </p:timing>
+</p:sld>
+</file>
+
+<file path=ppt/slides/slide25.xml><?xml version="1.0" encoding="utf-8"?>
+<p:sld xmlns:a="http://schemas.openxmlformats.org/drawingml/2006/main" xmlns:r="http://schemas.openxmlformats.org/officeDocument/2006/relationships" xmlns:p="http://schemas.openxmlformats.org/presentationml/2006/main">
+  <p:cSld>
+    <p:spTree>
+      <p:nvGrpSpPr>
+        <p:cNvPr id="1" name=""/>
+        <p:cNvGrpSpPr/>
+        <p:nvPr/>
+      </p:nvGrpSpPr>
+      <p:grpSpPr>
+        <a:xfrm>
+          <a:off x="0" y="0"/>
+          <a:ext cx="0" cy="0"/>
+          <a:chOff x="0" y="0"/>
+          <a:chExt cx="0" cy="0"/>
+        </a:xfrm>
+      </p:grpSpPr>
+      <p:sp>
+        <p:nvSpPr>
+          <p:cNvPr id="2" name="Title 1"/>
+          <p:cNvSpPr>
+            <a:spLocks noGrp="1"/>
+          </p:cNvSpPr>
+          <p:nvPr>
+            <p:ph type="title"/>
+          </p:nvPr>
+        </p:nvSpPr>
+        <p:spPr/>
+        <p:txBody>
+          <a:bodyPr/>
+          <a:lstStyle/>
+          <a:p>
+            <a:r>
+              <a:rPr lang="en-US" dirty="0" smtClean="0"/>
+              <a:t>K-means clustering</a:t>
+            </a:r>
+            <a:endParaRPr lang="en-US" dirty="0"/>
+          </a:p>
+        </p:txBody>
+      </p:sp>
+      <p:sp>
+        <p:nvSpPr>
+          <p:cNvPr id="3" name="Content Placeholder 2"/>
+          <p:cNvSpPr>
+            <a:spLocks noGrp="1"/>
+          </p:cNvSpPr>
+          <p:nvPr>
+            <p:ph idx="1"/>
+          </p:nvPr>
+        </p:nvSpPr>
+        <p:spPr>
+          <a:xfrm>
+            <a:off x="457200" y="1752600"/>
+            <a:ext cx="7620000" cy="4917795"/>
+          </a:xfrm>
+        </p:spPr>
+        <p:txBody>
+          <a:bodyPr>
+            <a:normAutofit/>
+          </a:bodyPr>
+          <a:lstStyle/>
+          <a:p>
+            <a:r>
+              <a:rPr lang="en-US" dirty="0" smtClean="0"/>
+              <a:t>Choosing K (number of clusters/groups) to optimize clustering results</a:t>
+            </a:r>
+          </a:p>
+          <a:p>
+            <a:endParaRPr lang="en-US" dirty="0"/>
+          </a:p>
+          <a:p>
+            <a:endParaRPr lang="en-US" dirty="0" smtClean="0"/>
+          </a:p>
+          <a:p>
+            <a:endParaRPr lang="en-US" dirty="0"/>
+          </a:p>
+          <a:p>
+            <a:endParaRPr lang="en-US" dirty="0" smtClean="0"/>
+          </a:p>
+          <a:p>
+            <a:endParaRPr lang="en-US" dirty="0"/>
+          </a:p>
+          <a:p>
+            <a:endParaRPr lang="en-US" dirty="0" smtClean="0"/>
+          </a:p>
+          <a:p>
+            <a:endParaRPr lang="en-US" dirty="0"/>
+          </a:p>
+          <a:p>
+            <a:r>
+              <a:rPr lang="en-US" dirty="0" smtClean="0"/>
+              <a:t>			Select k where an “elbow” forms in 			the line chart  </a:t>
+            </a:r>
+            <a:r>
+              <a:rPr lang="en-US" dirty="0" smtClean="0">
+                <a:sym typeface="Wingdings"/>
+              </a:rPr>
+              <a:t>  </a:t>
+            </a:r>
+            <a:r>
+              <a:rPr lang="en-US" dirty="0" smtClean="0">
+                <a:solidFill>
+                  <a:srgbClr val="FF0000"/>
+                </a:solidFill>
+                <a:sym typeface="Wingdings"/>
+              </a:rPr>
+              <a:t>3</a:t>
+            </a:r>
+            <a:endParaRPr lang="en-US" dirty="0">
+              <a:solidFill>
+                <a:srgbClr val="FF0000"/>
+              </a:solidFill>
+            </a:endParaRPr>
+          </a:p>
+        </p:txBody>
+      </p:sp>
+      <p:pic>
+        <p:nvPicPr>
+          <p:cNvPr id="4" name="Picture 3"/>
+          <p:cNvPicPr>
+            <a:picLocks noChangeAspect="1"/>
+          </p:cNvPicPr>
+          <p:nvPr/>
+        </p:nvPicPr>
+        <p:blipFill>
+          <a:blip r:embed="rId2"/>
+          <a:stretch>
+            <a:fillRect/>
+          </a:stretch>
+        </p:blipFill>
+        <p:spPr>
+          <a:xfrm>
+            <a:off x="328909" y="2557651"/>
+            <a:ext cx="8077200" cy="2985497"/>
+          </a:xfrm>
+          <a:prstGeom prst="rect">
+            <a:avLst/>
+          </a:prstGeom>
+        </p:spPr>
+      </p:pic>
+      <p:sp>
+        <p:nvSpPr>
+          <p:cNvPr id="6" name="Oval 5"/>
+          <p:cNvSpPr/>
+          <p:nvPr/>
+        </p:nvSpPr>
+        <p:spPr>
+          <a:xfrm>
+            <a:off x="1616478" y="3643061"/>
+            <a:ext cx="602971" cy="590074"/>
+          </a:xfrm>
+          <a:prstGeom prst="ellipse">
+            <a:avLst/>
+          </a:prstGeom>
+          <a:noFill/>
+          <a:ln>
+            <a:solidFill>
+              <a:srgbClr val="FF0000"/>
+            </a:solidFill>
+          </a:ln>
+        </p:spPr>
+        <p:style>
+          <a:lnRef idx="1">
+            <a:schemeClr val="accent1"/>
+          </a:lnRef>
+          <a:fillRef idx="3">
+            <a:schemeClr val="accent1"/>
+          </a:fillRef>
+          <a:effectRef idx="2">
+            <a:schemeClr val="accent1"/>
+          </a:effectRef>
+          <a:fontRef idx="minor">
+            <a:schemeClr val="lt1"/>
+          </a:fontRef>
+        </p:style>
+        <p:txBody>
+          <a:bodyPr rtlCol="0" anchor="ctr"/>
+          <a:lstStyle/>
+          <a:p>
+            <a:pPr algn="ctr"/>
+            <a:endParaRPr lang="en-US"/>
+          </a:p>
+        </p:txBody>
+      </p:sp>
+      <p:cxnSp>
+        <p:nvCxnSpPr>
+          <p:cNvPr id="8" name="Straight Arrow Connector 7"/>
+          <p:cNvCxnSpPr/>
+          <p:nvPr/>
+        </p:nvCxnSpPr>
+        <p:spPr>
+          <a:xfrm flipV="1">
+            <a:off x="1937207" y="5543148"/>
+            <a:ext cx="0" cy="897938"/>
+          </a:xfrm>
+          <a:prstGeom prst="straightConnector1">
+            <a:avLst/>
+          </a:prstGeom>
+          <a:ln>
+            <a:solidFill>
+              <a:srgbClr val="FF0000"/>
+            </a:solidFill>
+            <a:tailEnd type="arrow"/>
+          </a:ln>
+        </p:spPr>
+        <p:style>
+          <a:lnRef idx="2">
+            <a:schemeClr val="accent1"/>
+          </a:lnRef>
+          <a:fillRef idx="0">
+            <a:schemeClr val="accent1"/>
+          </a:fillRef>
+          <a:effectRef idx="1">
+            <a:schemeClr val="accent1"/>
+          </a:effectRef>
+          <a:fontRef idx="minor">
+            <a:schemeClr val="tx1"/>
+          </a:fontRef>
+        </p:style>
+      </p:cxnSp>
+    </p:spTree>
+    <p:extLst>
+      <p:ext uri="{BB962C8B-B14F-4D97-AF65-F5344CB8AC3E}">
+        <p14:creationId xmlns:p14="http://schemas.microsoft.com/office/powerpoint/2010/main" val="1360108051"/>
+      </p:ext>
+    </p:extLst>
+  </p:cSld>
+  <p:clrMapOvr>
+    <a:masterClrMapping/>
+  </p:clrMapOvr>
+  <p:timing>
+    <p:tnLst>
+      <p:par>
+        <p:cTn xmlns:p14="http://schemas.microsoft.com/office/powerpoint/2010/main" id="1" dur="indefinite" restart="never" nodeType="tmRoot"/>
+      </p:par>
+    </p:tnLst>
+  </p:timing>
+</p:sld>
+</file>
+
+<file path=ppt/slides/slide26.xml><?xml version="1.0" encoding="utf-8"?>
+<p:sld xmlns:a="http://schemas.openxmlformats.org/drawingml/2006/main" xmlns:r="http://schemas.openxmlformats.org/officeDocument/2006/relationships" xmlns:p="http://schemas.openxmlformats.org/presentationml/2006/main">
+  <p:cSld>
+    <p:spTree>
+      <p:nvGrpSpPr>
+        <p:cNvPr id="1" name=""/>
+        <p:cNvGrpSpPr/>
+        <p:nvPr/>
+      </p:nvGrpSpPr>
+      <p:grpSpPr>
+        <a:xfrm>
+          <a:off x="0" y="0"/>
+          <a:ext cx="0" cy="0"/>
+          <a:chOff x="0" y="0"/>
+          <a:chExt cx="0" cy="0"/>
+        </a:xfrm>
+      </p:grpSpPr>
+      <p:sp>
+        <p:nvSpPr>
+          <p:cNvPr id="2" name="Title 1"/>
+          <p:cNvSpPr>
+            <a:spLocks noGrp="1"/>
+          </p:cNvSpPr>
+          <p:nvPr>
+            <p:ph type="title"/>
+          </p:nvPr>
+        </p:nvSpPr>
+        <p:spPr/>
+        <p:txBody>
+          <a:bodyPr/>
+          <a:lstStyle/>
+          <a:p>
+            <a:r>
+              <a:rPr lang="en-US" dirty="0" smtClean="0"/>
+              <a:t>Unsupervised learning</a:t>
+            </a:r>
+            <a:endParaRPr lang="en-US" dirty="0"/>
+          </a:p>
+        </p:txBody>
+      </p:sp>
+      <p:sp>
+        <p:nvSpPr>
+          <p:cNvPr id="3" name="Content Placeholder 2"/>
+          <p:cNvSpPr>
+            <a:spLocks noGrp="1"/>
+          </p:cNvSpPr>
+          <p:nvPr>
+            <p:ph idx="1"/>
+          </p:nvPr>
+        </p:nvSpPr>
+        <p:spPr>
+          <a:xfrm>
+            <a:off x="457200" y="1752601"/>
+            <a:ext cx="7620000" cy="4789518"/>
+          </a:xfrm>
+        </p:spPr>
+        <p:txBody>
+          <a:bodyPr>
+            <a:normAutofit lnSpcReduction="10000"/>
+          </a:bodyPr>
+          <a:lstStyle/>
+          <a:p>
+            <a:endParaRPr lang="en-US" dirty="0"/>
+          </a:p>
+          <a:p>
+            <a:endParaRPr lang="en-US" dirty="0" smtClean="0"/>
+          </a:p>
+          <a:p>
+            <a:endParaRPr lang="en-US" dirty="0"/>
+          </a:p>
+          <a:p>
+            <a:endParaRPr lang="en-US" dirty="0" smtClean="0"/>
+          </a:p>
+          <a:p>
+            <a:endParaRPr lang="en-US" dirty="0"/>
+          </a:p>
+          <a:p>
+            <a:endParaRPr lang="en-US" dirty="0" smtClean="0"/>
+          </a:p>
+          <a:p>
+            <a:endParaRPr lang="en-US" dirty="0"/>
+          </a:p>
+          <a:p>
+            <a:endParaRPr lang="en-US" dirty="0" smtClean="0"/>
+          </a:p>
+          <a:p>
+            <a:r>
+              <a:rPr lang="en-US" dirty="0" smtClean="0"/>
+              <a:t>How are these clusters formed?</a:t>
+            </a:r>
+          </a:p>
+          <a:p>
+            <a:pPr marL="342900" indent="-342900">
+              <a:buFont typeface="Arial"/>
+              <a:buChar char="•"/>
+            </a:pPr>
+            <a:r>
+              <a:rPr lang="en-US" dirty="0" smtClean="0"/>
+              <a:t>By activities? Sleep? Heart rate?</a:t>
+            </a:r>
+          </a:p>
+          <a:p>
+            <a:pPr marL="342900" indent="-342900">
+              <a:buFont typeface="Arial"/>
+              <a:buChar char="•"/>
+            </a:pPr>
+            <a:r>
+              <a:rPr lang="en-US" dirty="0" smtClean="0"/>
+              <a:t>Analyze data to find patterns</a:t>
+            </a:r>
+            <a:endParaRPr lang="en-US" dirty="0"/>
+          </a:p>
+        </p:txBody>
+      </p:sp>
+      <p:pic>
+        <p:nvPicPr>
+          <p:cNvPr id="4" name="Picture 3"/>
+          <p:cNvPicPr>
+            <a:picLocks noChangeAspect="1"/>
+          </p:cNvPicPr>
+          <p:nvPr/>
+        </p:nvPicPr>
+        <p:blipFill>
+          <a:blip r:embed="rId2"/>
+          <a:stretch>
+            <a:fillRect/>
+          </a:stretch>
+        </p:blipFill>
+        <p:spPr>
+          <a:xfrm>
+            <a:off x="1813130" y="1524318"/>
+            <a:ext cx="4927600" cy="3416300"/>
+          </a:xfrm>
+          <a:prstGeom prst="rect">
+            <a:avLst/>
+          </a:prstGeom>
+        </p:spPr>
+      </p:pic>
+      <p:cxnSp>
+        <p:nvCxnSpPr>
+          <p:cNvPr id="12" name="Curved Connector 11"/>
+          <p:cNvCxnSpPr/>
+          <p:nvPr/>
+        </p:nvCxnSpPr>
+        <p:spPr>
+          <a:xfrm rot="5400000">
+            <a:off x="4374840" y="1480461"/>
+            <a:ext cx="1054046" cy="833896"/>
+          </a:xfrm>
+          <a:prstGeom prst="curvedConnector3">
+            <a:avLst/>
+          </a:prstGeom>
+          <a:ln>
+            <a:tailEnd type="arrow"/>
+          </a:ln>
+        </p:spPr>
+        <p:style>
+          <a:lnRef idx="2">
+            <a:schemeClr val="accent1"/>
+          </a:lnRef>
+          <a:fillRef idx="0">
+            <a:schemeClr val="accent1"/>
+          </a:fillRef>
+          <a:effectRef idx="1">
+            <a:schemeClr val="accent1"/>
+          </a:effectRef>
+          <a:fontRef idx="minor">
+            <a:schemeClr val="tx1"/>
+          </a:fontRef>
+        </p:style>
+      </p:cxnSp>
+      <p:sp>
+        <p:nvSpPr>
+          <p:cNvPr id="16" name="TextBox 15"/>
+          <p:cNvSpPr txBox="1"/>
+          <p:nvPr/>
+        </p:nvSpPr>
+        <p:spPr>
+          <a:xfrm>
+            <a:off x="5154231" y="962076"/>
+            <a:ext cx="1375823" cy="369332"/>
+          </a:xfrm>
+          <a:prstGeom prst="rect">
+            <a:avLst/>
+          </a:prstGeom>
+          <a:noFill/>
+        </p:spPr>
+        <p:txBody>
+          <a:bodyPr wrap="square" rtlCol="0">
+            <a:spAutoFit/>
+          </a:bodyPr>
+          <a:lstStyle/>
+          <a:p>
+            <a:r>
+              <a:rPr lang="en-US" b="1" dirty="0" smtClean="0">
+                <a:solidFill>
+                  <a:schemeClr val="accent2"/>
+                </a:solidFill>
+              </a:rPr>
+              <a:t>Cluster 2</a:t>
+            </a:r>
+            <a:endParaRPr lang="en-US" b="1" dirty="0">
+              <a:solidFill>
+                <a:schemeClr val="accent2"/>
+              </a:solidFill>
+            </a:endParaRPr>
+          </a:p>
+        </p:txBody>
+      </p:sp>
+      <p:cxnSp>
+        <p:nvCxnSpPr>
+          <p:cNvPr id="18" name="Straight Arrow Connector 17"/>
+          <p:cNvCxnSpPr/>
+          <p:nvPr/>
+        </p:nvCxnSpPr>
+        <p:spPr>
+          <a:xfrm>
+            <a:off x="1526673" y="3348025"/>
+            <a:ext cx="1424039" cy="1"/>
+          </a:xfrm>
+          <a:prstGeom prst="straightConnector1">
+            <a:avLst/>
+          </a:prstGeom>
+          <a:ln>
+            <a:tailEnd type="arrow"/>
+          </a:ln>
+        </p:spPr>
+        <p:style>
+          <a:lnRef idx="2">
+            <a:schemeClr val="accent1"/>
+          </a:lnRef>
+          <a:fillRef idx="0">
+            <a:schemeClr val="accent1"/>
+          </a:fillRef>
+          <a:effectRef idx="1">
+            <a:schemeClr val="accent1"/>
+          </a:effectRef>
+          <a:fontRef idx="minor">
+            <a:schemeClr val="tx1"/>
+          </a:fontRef>
+        </p:style>
+      </p:cxnSp>
+      <p:sp>
+        <p:nvSpPr>
+          <p:cNvPr id="20" name="TextBox 19"/>
+          <p:cNvSpPr txBox="1"/>
+          <p:nvPr/>
+        </p:nvSpPr>
+        <p:spPr>
+          <a:xfrm>
+            <a:off x="303249" y="3163359"/>
+            <a:ext cx="1218773" cy="369332"/>
+          </a:xfrm>
+          <a:prstGeom prst="rect">
+            <a:avLst/>
+          </a:prstGeom>
+          <a:noFill/>
+        </p:spPr>
+        <p:txBody>
+          <a:bodyPr wrap="square" rtlCol="0">
+            <a:spAutoFit/>
+          </a:bodyPr>
+          <a:lstStyle/>
+          <a:p>
+            <a:r>
+              <a:rPr lang="en-US" b="1" dirty="0" smtClean="0">
+                <a:solidFill>
+                  <a:srgbClr val="69D412"/>
+                </a:solidFill>
+              </a:rPr>
+              <a:t>Cluster 1</a:t>
+            </a:r>
+            <a:endParaRPr lang="en-US" b="1" dirty="0">
+              <a:solidFill>
+                <a:srgbClr val="69D412"/>
+              </a:solidFill>
+            </a:endParaRPr>
+          </a:p>
+        </p:txBody>
+      </p:sp>
+      <p:cxnSp>
+        <p:nvCxnSpPr>
+          <p:cNvPr id="22" name="Straight Arrow Connector 21"/>
+          <p:cNvCxnSpPr/>
+          <p:nvPr/>
+        </p:nvCxnSpPr>
+        <p:spPr>
+          <a:xfrm flipH="1">
+            <a:off x="5734645" y="2180706"/>
+            <a:ext cx="1141797" cy="615729"/>
+          </a:xfrm>
+          <a:prstGeom prst="straightConnector1">
+            <a:avLst/>
+          </a:prstGeom>
+          <a:ln>
+            <a:tailEnd type="arrow"/>
+          </a:ln>
+        </p:spPr>
+        <p:style>
+          <a:lnRef idx="2">
+            <a:schemeClr val="accent1"/>
+          </a:lnRef>
+          <a:fillRef idx="0">
+            <a:schemeClr val="accent1"/>
+          </a:fillRef>
+          <a:effectRef idx="1">
+            <a:schemeClr val="accent1"/>
+          </a:effectRef>
+          <a:fontRef idx="minor">
+            <a:schemeClr val="tx1"/>
+          </a:fontRef>
+        </p:style>
+      </p:cxnSp>
+      <p:sp>
+        <p:nvSpPr>
+          <p:cNvPr id="23" name="TextBox 22"/>
+          <p:cNvSpPr txBox="1"/>
+          <p:nvPr/>
+        </p:nvSpPr>
+        <p:spPr>
+          <a:xfrm>
+            <a:off x="6966246" y="1924152"/>
+            <a:ext cx="1860232" cy="369332"/>
+          </a:xfrm>
+          <a:prstGeom prst="rect">
+            <a:avLst/>
+          </a:prstGeom>
+          <a:noFill/>
+        </p:spPr>
+        <p:txBody>
+          <a:bodyPr wrap="square" rtlCol="0">
+            <a:spAutoFit/>
+          </a:bodyPr>
+          <a:lstStyle/>
+          <a:p>
+            <a:r>
+              <a:rPr lang="en-US" b="1" dirty="0" smtClean="0">
+                <a:solidFill>
+                  <a:srgbClr val="36C4C8"/>
+                </a:solidFill>
+              </a:rPr>
+              <a:t>Cluster 0</a:t>
+            </a:r>
+            <a:endParaRPr lang="en-US" b="1" dirty="0">
+              <a:solidFill>
+                <a:srgbClr val="36C4C8"/>
+              </a:solidFill>
+            </a:endParaRPr>
+          </a:p>
+        </p:txBody>
+      </p:sp>
+    </p:spTree>
+    <p:extLst>
+      <p:ext uri="{BB962C8B-B14F-4D97-AF65-F5344CB8AC3E}">
+        <p14:creationId xmlns:p14="http://schemas.microsoft.com/office/powerpoint/2010/main" val="1421703672"/>
+      </p:ext>
+    </p:extLst>
+  </p:cSld>
+  <p:clrMapOvr>
+    <a:masterClrMapping/>
+  </p:clrMapOvr>
+  <p:timing>
+    <p:tnLst>
+      <p:par>
+        <p:cTn xmlns:p14="http://schemas.microsoft.com/office/powerpoint/2010/main" id="1" dur="indefinite" restart="never" nodeType="tmRoot"/>
+      </p:par>
+    </p:tnLst>
+  </p:timing>
+</p:sld>
+</file>
+
+<file path=ppt/slides/slide27.xml><?xml version="1.0" encoding="utf-8"?>
+<p:sld xmlns:a="http://schemas.openxmlformats.org/drawingml/2006/main" xmlns:r="http://schemas.openxmlformats.org/officeDocument/2006/relationships" xmlns:p="http://schemas.openxmlformats.org/presentationml/2006/main">
+  <p:cSld>
+    <p:spTree>
+      <p:nvGrpSpPr>
+        <p:cNvPr id="1" name=""/>
+        <p:cNvGrpSpPr/>
+        <p:nvPr/>
+      </p:nvGrpSpPr>
+      <p:grpSpPr>
+        <a:xfrm>
+          <a:off x="0" y="0"/>
+          <a:ext cx="0" cy="0"/>
+          <a:chOff x="0" y="0"/>
+          <a:chExt cx="0" cy="0"/>
+        </a:xfrm>
+      </p:grpSpPr>
+      <p:sp>
+        <p:nvSpPr>
+          <p:cNvPr id="2" name="Title 1"/>
+          <p:cNvSpPr>
+            <a:spLocks noGrp="1"/>
+          </p:cNvSpPr>
+          <p:nvPr>
+            <p:ph type="title"/>
+          </p:nvPr>
+        </p:nvSpPr>
+        <p:spPr/>
+        <p:txBody>
+          <a:bodyPr/>
+          <a:lstStyle/>
+          <a:p>
+            <a:r>
+              <a:rPr lang="en-US" dirty="0" smtClean="0"/>
+              <a:t>Unsupervised learning</a:t>
+            </a:r>
+            <a:endParaRPr lang="en-US" dirty="0"/>
+          </a:p>
+        </p:txBody>
+      </p:sp>
+      <p:sp>
+        <p:nvSpPr>
+          <p:cNvPr id="3" name="Content Placeholder 2"/>
+          <p:cNvSpPr>
+            <a:spLocks noGrp="1"/>
+          </p:cNvSpPr>
+          <p:nvPr>
+            <p:ph idx="1"/>
+          </p:nvPr>
+        </p:nvSpPr>
+        <p:spPr>
+          <a:xfrm>
+            <a:off x="457200" y="1752600"/>
+            <a:ext cx="7620000" cy="4828001"/>
+          </a:xfrm>
+        </p:spPr>
+        <p:txBody>
+          <a:bodyPr/>
+          <a:lstStyle/>
+          <a:p>
+            <a:endParaRPr lang="en-US" dirty="0" smtClean="0"/>
+          </a:p>
+          <a:p>
+            <a:endParaRPr lang="en-US" dirty="0"/>
+          </a:p>
+          <a:p>
+            <a:endParaRPr lang="en-US" dirty="0" smtClean="0"/>
+          </a:p>
+          <a:p>
+            <a:endParaRPr lang="en-US" dirty="0"/>
+          </a:p>
+          <a:p>
+            <a:endParaRPr lang="en-US" dirty="0" smtClean="0"/>
+          </a:p>
+          <a:p>
+            <a:pPr marL="342900" indent="-342900">
+              <a:buFont typeface="Arial"/>
+              <a:buChar char="•"/>
+            </a:pPr>
+            <a:r>
+              <a:rPr lang="en-US" dirty="0" smtClean="0"/>
+              <a:t>Through investigation, ‘Weekday’ seems to be most deterministic of how clusters are formed</a:t>
+            </a:r>
+          </a:p>
+          <a:p>
+            <a:pPr marL="800100" lvl="1" indent="-342900">
+              <a:buFont typeface="Arial"/>
+              <a:buChar char="•"/>
+            </a:pPr>
+            <a:r>
+              <a:rPr lang="en-US" dirty="0" smtClean="0"/>
+              <a:t>Cluster 0: Sunday’s</a:t>
+            </a:r>
+          </a:p>
+          <a:p>
+            <a:pPr marL="800100" lvl="1" indent="-342900">
+              <a:buFont typeface="Arial"/>
+              <a:buChar char="•"/>
+            </a:pPr>
+            <a:r>
+              <a:rPr lang="en-US" dirty="0" smtClean="0"/>
+              <a:t>Cluster 1: Monday’s and Wednesday’s</a:t>
+            </a:r>
+          </a:p>
+          <a:p>
+            <a:pPr marL="800100" lvl="1" indent="-342900">
+              <a:buFont typeface="Arial"/>
+              <a:buChar char="•"/>
+            </a:pPr>
+            <a:r>
+              <a:rPr lang="en-US" dirty="0" smtClean="0"/>
+              <a:t>Cluster 2: Tuesday’s and Thursday’s</a:t>
+            </a:r>
+          </a:p>
+          <a:p>
+            <a:r>
+              <a:rPr lang="en-US" dirty="0" smtClean="0"/>
+              <a:t>				…something comes to mind</a:t>
+            </a:r>
+          </a:p>
+        </p:txBody>
+      </p:sp>
+      <p:pic>
+        <p:nvPicPr>
+          <p:cNvPr id="4" name="Picture 3"/>
+          <p:cNvPicPr>
+            <a:picLocks noChangeAspect="1"/>
+          </p:cNvPicPr>
+          <p:nvPr/>
+        </p:nvPicPr>
+        <p:blipFill>
+          <a:blip r:embed="rId2"/>
+          <a:stretch>
+            <a:fillRect/>
+          </a:stretch>
+        </p:blipFill>
+        <p:spPr>
+          <a:xfrm>
+            <a:off x="190500" y="1752600"/>
+            <a:ext cx="8750300" cy="1905000"/>
+          </a:xfrm>
+          <a:prstGeom prst="rect">
+            <a:avLst/>
+          </a:prstGeom>
+        </p:spPr>
+      </p:pic>
+    </p:spTree>
+    <p:extLst>
+      <p:ext uri="{BB962C8B-B14F-4D97-AF65-F5344CB8AC3E}">
+        <p14:creationId xmlns:p14="http://schemas.microsoft.com/office/powerpoint/2010/main" val="2064285432"/>
+      </p:ext>
+    </p:extLst>
+  </p:cSld>
+  <p:clrMapOvr>
+    <a:masterClrMapping/>
+  </p:clrMapOvr>
+  <p:timing>
+    <p:tnLst>
+      <p:par>
+        <p:cTn xmlns:p14="http://schemas.microsoft.com/office/powerpoint/2010/main" id="1" dur="indefinite" restart="never" nodeType="tmRoot"/>
+      </p:par>
+    </p:tnLst>
+  </p:timing>
+</p:sld>
+</file>
+
+<file path=ppt/slides/slide28.xml><?xml version="1.0" encoding="utf-8"?>
+<p:sld xmlns:a="http://schemas.openxmlformats.org/drawingml/2006/main" xmlns:r="http://schemas.openxmlformats.org/officeDocument/2006/relationships" xmlns:p="http://schemas.openxmlformats.org/presentationml/2006/main">
+  <p:cSld>
+    <p:spTree>
+      <p:nvGrpSpPr>
+        <p:cNvPr id="1" name=""/>
+        <p:cNvGrpSpPr/>
+        <p:nvPr/>
+      </p:nvGrpSpPr>
+      <p:grpSpPr>
+        <a:xfrm>
+          <a:off x="0" y="0"/>
+          <a:ext cx="0" cy="0"/>
+          <a:chOff x="0" y="0"/>
+          <a:chExt cx="0" cy="0"/>
+        </a:xfrm>
+      </p:grpSpPr>
+      <p:sp>
+        <p:nvSpPr>
+          <p:cNvPr id="2" name="Title 1"/>
+          <p:cNvSpPr>
+            <a:spLocks noGrp="1"/>
+          </p:cNvSpPr>
+          <p:nvPr>
+            <p:ph type="title"/>
+          </p:nvPr>
+        </p:nvSpPr>
+        <p:spPr/>
+        <p:txBody>
+          <a:bodyPr/>
+          <a:lstStyle/>
+          <a:p>
+            <a:endParaRPr lang="en-US"/>
+          </a:p>
+        </p:txBody>
+      </p:sp>
+      <p:sp>
+        <p:nvSpPr>
+          <p:cNvPr id="3" name="Content Placeholder 2"/>
+          <p:cNvSpPr>
+            <a:spLocks noGrp="1"/>
+          </p:cNvSpPr>
+          <p:nvPr>
+            <p:ph idx="1"/>
+          </p:nvPr>
+        </p:nvSpPr>
+        <p:spPr>
+          <a:xfrm>
+            <a:off x="457200" y="1752600"/>
+            <a:ext cx="7620000" cy="5007589"/>
+          </a:xfrm>
+        </p:spPr>
+        <p:txBody>
+          <a:bodyPr>
+            <a:normAutofit/>
+          </a:bodyPr>
+          <a:lstStyle/>
+          <a:p>
+            <a:endParaRPr lang="en-US" dirty="0" smtClean="0"/>
+          </a:p>
+          <a:p>
+            <a:endParaRPr lang="en-US" dirty="0"/>
+          </a:p>
+          <a:p>
+            <a:endParaRPr lang="en-US" dirty="0" smtClean="0"/>
+          </a:p>
+          <a:p>
+            <a:endParaRPr lang="en-US" dirty="0"/>
+          </a:p>
+          <a:p>
+            <a:endParaRPr lang="en-US" dirty="0" smtClean="0"/>
+          </a:p>
+          <a:p>
+            <a:endParaRPr lang="en-US" dirty="0"/>
+          </a:p>
+          <a:p>
+            <a:endParaRPr lang="en-US" dirty="0" smtClean="0"/>
+          </a:p>
+          <a:p>
+            <a:endParaRPr lang="en-US" dirty="0"/>
+          </a:p>
+          <a:p>
+            <a:endParaRPr lang="en-US" dirty="0" smtClean="0"/>
+          </a:p>
+          <a:p>
+            <a:r>
+              <a:rPr lang="en-US" dirty="0" smtClean="0"/>
+              <a:t>The top two days of week of each cluster seem to have something in common</a:t>
+            </a:r>
+            <a:endParaRPr lang="en-US" dirty="0"/>
+          </a:p>
+        </p:txBody>
+      </p:sp>
+      <p:pic>
+        <p:nvPicPr>
+          <p:cNvPr id="5" name="Picture 4"/>
+          <p:cNvPicPr>
+            <a:picLocks noChangeAspect="1"/>
+          </p:cNvPicPr>
+          <p:nvPr/>
+        </p:nvPicPr>
+        <p:blipFill>
+          <a:blip r:embed="rId2"/>
+          <a:stretch>
+            <a:fillRect/>
+          </a:stretch>
+        </p:blipFill>
+        <p:spPr>
+          <a:xfrm>
+            <a:off x="218096" y="284759"/>
+            <a:ext cx="8750300" cy="1905000"/>
+          </a:xfrm>
+          <a:prstGeom prst="rect">
+            <a:avLst/>
+          </a:prstGeom>
+        </p:spPr>
+      </p:pic>
+      <p:pic>
+        <p:nvPicPr>
+          <p:cNvPr id="14" name="Picture 13"/>
+          <p:cNvPicPr>
+            <a:picLocks noChangeAspect="1"/>
+          </p:cNvPicPr>
+          <p:nvPr/>
+        </p:nvPicPr>
+        <p:blipFill>
+          <a:blip r:embed="rId3"/>
+          <a:stretch>
+            <a:fillRect/>
+          </a:stretch>
+        </p:blipFill>
+        <p:spPr>
+          <a:xfrm>
+            <a:off x="218096" y="1936873"/>
+            <a:ext cx="8569894" cy="3082758"/>
+          </a:xfrm>
+          <a:prstGeom prst="rect">
+            <a:avLst/>
+          </a:prstGeom>
+        </p:spPr>
+      </p:pic>
+      <p:cxnSp>
+        <p:nvCxnSpPr>
+          <p:cNvPr id="7" name="Straight Arrow Connector 6"/>
+          <p:cNvCxnSpPr/>
+          <p:nvPr/>
+        </p:nvCxnSpPr>
+        <p:spPr>
+          <a:xfrm flipV="1">
+            <a:off x="7081709" y="4904182"/>
+            <a:ext cx="0" cy="513107"/>
+          </a:xfrm>
+          <a:prstGeom prst="straightConnector1">
+            <a:avLst/>
+          </a:prstGeom>
+          <a:ln>
+            <a:solidFill>
+              <a:srgbClr val="69D412"/>
+            </a:solidFill>
+            <a:tailEnd type="arrow"/>
+          </a:ln>
+        </p:spPr>
+        <p:style>
+          <a:lnRef idx="2">
+            <a:schemeClr val="accent1"/>
+          </a:lnRef>
+          <a:fillRef idx="0">
+            <a:schemeClr val="accent1"/>
+          </a:fillRef>
+          <a:effectRef idx="1">
+            <a:schemeClr val="accent1"/>
+          </a:effectRef>
+          <a:fontRef idx="minor">
+            <a:schemeClr val="tx1"/>
+          </a:fontRef>
+        </p:style>
+      </p:cxnSp>
+      <p:cxnSp>
+        <p:nvCxnSpPr>
+          <p:cNvPr id="8" name="Straight Arrow Connector 7"/>
+          <p:cNvCxnSpPr/>
+          <p:nvPr/>
+        </p:nvCxnSpPr>
+        <p:spPr>
+          <a:xfrm flipV="1">
+            <a:off x="1037615" y="4904182"/>
+            <a:ext cx="0" cy="513107"/>
+          </a:xfrm>
+          <a:prstGeom prst="straightConnector1">
+            <a:avLst/>
+          </a:prstGeom>
+          <a:ln>
+            <a:solidFill>
+              <a:schemeClr val="accent2"/>
+            </a:solidFill>
+            <a:tailEnd type="arrow"/>
+          </a:ln>
+        </p:spPr>
+        <p:style>
+          <a:lnRef idx="2">
+            <a:schemeClr val="accent1"/>
+          </a:lnRef>
+          <a:fillRef idx="0">
+            <a:schemeClr val="accent1"/>
+          </a:fillRef>
+          <a:effectRef idx="1">
+            <a:schemeClr val="accent1"/>
+          </a:effectRef>
+          <a:fontRef idx="minor">
+            <a:schemeClr val="tx1"/>
+          </a:fontRef>
+        </p:style>
+      </p:cxnSp>
+      <p:cxnSp>
+        <p:nvCxnSpPr>
+          <p:cNvPr id="9" name="Straight Arrow Connector 8"/>
+          <p:cNvCxnSpPr/>
+          <p:nvPr/>
+        </p:nvCxnSpPr>
+        <p:spPr>
+          <a:xfrm flipV="1">
+            <a:off x="6421219" y="4904182"/>
+            <a:ext cx="0" cy="513107"/>
+          </a:xfrm>
+          <a:prstGeom prst="straightConnector1">
+            <a:avLst/>
+          </a:prstGeom>
+          <a:ln>
+            <a:solidFill>
+              <a:srgbClr val="69D412"/>
+            </a:solidFill>
+            <a:tailEnd type="arrow"/>
+          </a:ln>
+        </p:spPr>
+        <p:style>
+          <a:lnRef idx="2">
+            <a:schemeClr val="accent1"/>
+          </a:lnRef>
+          <a:fillRef idx="0">
+            <a:schemeClr val="accent1"/>
+          </a:fillRef>
+          <a:effectRef idx="1">
+            <a:schemeClr val="accent1"/>
+          </a:effectRef>
+          <a:fontRef idx="minor">
+            <a:schemeClr val="tx1"/>
+          </a:fontRef>
+        </p:style>
+      </p:cxnSp>
+      <p:cxnSp>
+        <p:nvCxnSpPr>
+          <p:cNvPr id="11" name="Straight Arrow Connector 10"/>
+          <p:cNvCxnSpPr/>
+          <p:nvPr/>
+        </p:nvCxnSpPr>
+        <p:spPr>
+          <a:xfrm flipV="1">
+            <a:off x="1716011" y="4904182"/>
+            <a:ext cx="0" cy="513107"/>
+          </a:xfrm>
+          <a:prstGeom prst="straightConnector1">
+            <a:avLst/>
+          </a:prstGeom>
+          <a:ln>
+            <a:solidFill>
+              <a:schemeClr val="accent2"/>
+            </a:solidFill>
+            <a:tailEnd type="arrow"/>
+          </a:ln>
+        </p:spPr>
+        <p:style>
+          <a:lnRef idx="2">
+            <a:schemeClr val="accent1"/>
+          </a:lnRef>
+          <a:fillRef idx="0">
+            <a:schemeClr val="accent1"/>
+          </a:fillRef>
+          <a:effectRef idx="1">
+            <a:schemeClr val="accent1"/>
+          </a:effectRef>
+          <a:fontRef idx="minor">
+            <a:schemeClr val="tx1"/>
+          </a:fontRef>
+        </p:style>
+      </p:cxnSp>
+      <p:cxnSp>
+        <p:nvCxnSpPr>
+          <p:cNvPr id="12" name="Straight Arrow Connector 11"/>
+          <p:cNvCxnSpPr/>
+          <p:nvPr/>
+        </p:nvCxnSpPr>
+        <p:spPr>
+          <a:xfrm flipV="1">
+            <a:off x="7784214" y="4904182"/>
+            <a:ext cx="0" cy="513107"/>
+          </a:xfrm>
+          <a:prstGeom prst="straightConnector1">
+            <a:avLst/>
+          </a:prstGeom>
+          <a:ln>
+            <a:solidFill>
+              <a:srgbClr val="36C4C8"/>
+            </a:solidFill>
+            <a:tailEnd type="arrow"/>
+          </a:ln>
+        </p:spPr>
+        <p:style>
+          <a:lnRef idx="2">
+            <a:schemeClr val="accent1"/>
+          </a:lnRef>
+          <a:fillRef idx="0">
+            <a:schemeClr val="accent1"/>
+          </a:fillRef>
+          <a:effectRef idx="1">
+            <a:schemeClr val="accent1"/>
+          </a:effectRef>
+          <a:fontRef idx="minor">
+            <a:schemeClr val="tx1"/>
+          </a:fontRef>
+        </p:style>
+      </p:cxnSp>
+      <p:cxnSp>
+        <p:nvCxnSpPr>
+          <p:cNvPr id="13" name="Straight Arrow Connector 12"/>
+          <p:cNvCxnSpPr/>
+          <p:nvPr/>
+        </p:nvCxnSpPr>
+        <p:spPr>
+          <a:xfrm flipV="1">
+            <a:off x="8476990" y="4904182"/>
+            <a:ext cx="0" cy="513107"/>
+          </a:xfrm>
+          <a:prstGeom prst="straightConnector1">
+            <a:avLst/>
+          </a:prstGeom>
+          <a:ln>
+            <a:solidFill>
+              <a:srgbClr val="36C4C8"/>
+            </a:solidFill>
+            <a:tailEnd type="arrow"/>
+          </a:ln>
+        </p:spPr>
+        <p:style>
+          <a:lnRef idx="2">
+            <a:schemeClr val="accent1"/>
+          </a:lnRef>
+          <a:fillRef idx="0">
+            <a:schemeClr val="accent1"/>
+          </a:fillRef>
+          <a:effectRef idx="1">
+            <a:schemeClr val="accent1"/>
+          </a:effectRef>
+          <a:fontRef idx="minor">
+            <a:schemeClr val="tx1"/>
+          </a:fontRef>
+        </p:style>
+      </p:cxnSp>
+    </p:spTree>
+    <p:extLst>
+      <p:ext uri="{BB962C8B-B14F-4D97-AF65-F5344CB8AC3E}">
+        <p14:creationId xmlns:p14="http://schemas.microsoft.com/office/powerpoint/2010/main" val="98287404"/>
+      </p:ext>
+    </p:extLst>
+  </p:cSld>
+  <p:clrMapOvr>
+    <a:masterClrMapping/>
+  </p:clrMapOvr>
+  <p:timing>
+    <p:tnLst>
+      <p:par>
+        <p:cTn xmlns:p14="http://schemas.microsoft.com/office/powerpoint/2010/main" id="1" dur="indefinite" restart="never" nodeType="tmRoot"/>
+      </p:par>
+    </p:tnLst>
+  </p:timing>
+</p:sld>
+</file>
+
+<file path=ppt/slides/slide29.xml><?xml version="1.0" encoding="utf-8"?>
+<p:sld xmlns:a="http://schemas.openxmlformats.org/drawingml/2006/main" xmlns:r="http://schemas.openxmlformats.org/officeDocument/2006/relationships" xmlns:p="http://schemas.openxmlformats.org/presentationml/2006/main">
+  <p:cSld>
+    <p:spTree>
+      <p:nvGrpSpPr>
+        <p:cNvPr id="1" name=""/>
+        <p:cNvGrpSpPr/>
+        <p:nvPr/>
+      </p:nvGrpSpPr>
+      <p:grpSpPr>
+        <a:xfrm>
+          <a:off x="0" y="0"/>
+          <a:ext cx="0" cy="0"/>
+          <a:chOff x="0" y="0"/>
+          <a:chExt cx="0" cy="0"/>
+        </a:xfrm>
+      </p:grpSpPr>
+      <p:sp>
+        <p:nvSpPr>
+          <p:cNvPr id="2" name="Title 1"/>
+          <p:cNvSpPr>
+            <a:spLocks noGrp="1"/>
+          </p:cNvSpPr>
+          <p:nvPr>
+            <p:ph type="title"/>
+          </p:nvPr>
+        </p:nvSpPr>
+        <p:spPr/>
+        <p:txBody>
+          <a:bodyPr/>
+          <a:lstStyle/>
+          <a:p>
+            <a:endParaRPr lang="en-US"/>
+          </a:p>
+        </p:txBody>
+      </p:sp>
+      <p:sp>
+        <p:nvSpPr>
+          <p:cNvPr id="3" name="Content Placeholder 2"/>
+          <p:cNvSpPr>
+            <a:spLocks noGrp="1"/>
+          </p:cNvSpPr>
+          <p:nvPr>
+            <p:ph idx="1"/>
+          </p:nvPr>
+        </p:nvSpPr>
+        <p:spPr>
+          <a:xfrm>
+            <a:off x="457200" y="1752600"/>
+            <a:ext cx="7620000" cy="4930623"/>
+          </a:xfrm>
+        </p:spPr>
+        <p:txBody>
+          <a:bodyPr/>
+          <a:lstStyle/>
+          <a:p>
+            <a:endParaRPr lang="en-US" dirty="0" smtClean="0"/>
+          </a:p>
+          <a:p>
+            <a:pPr marL="4229100" lvl="8" indent="-342900">
+              <a:buFont typeface="Arial"/>
+              <a:buChar char="•"/>
+            </a:pPr>
+            <a:r>
+              <a:rPr lang="en-US" b="1" dirty="0" smtClean="0">
+                <a:solidFill>
+                  <a:srgbClr val="36C4C8"/>
+                </a:solidFill>
+              </a:rPr>
+              <a:t>Cluster 0</a:t>
+            </a:r>
+            <a:r>
+              <a:rPr lang="en-US" dirty="0" smtClean="0"/>
+              <a:t> has highest mean under </a:t>
+            </a:r>
+            <a:r>
+              <a:rPr lang="en-US" b="1" dirty="0" smtClean="0"/>
+              <a:t>Minutes Sedentary</a:t>
+            </a:r>
+            <a:r>
+              <a:rPr lang="en-US" dirty="0" smtClean="0"/>
+              <a:t> category</a:t>
+            </a:r>
+          </a:p>
+          <a:p>
+            <a:pPr marL="4229100" lvl="8" indent="-342900">
+              <a:buFont typeface="Arial"/>
+              <a:buChar char="•"/>
+            </a:pPr>
+            <a:r>
+              <a:rPr lang="en-US" b="1" dirty="0" smtClean="0">
+                <a:solidFill>
+                  <a:srgbClr val="69D412"/>
+                </a:solidFill>
+              </a:rPr>
+              <a:t>Cluster 1</a:t>
+            </a:r>
+            <a:r>
+              <a:rPr lang="en-US" dirty="0" smtClean="0"/>
+              <a:t> has highest mean under </a:t>
+            </a:r>
+            <a:r>
+              <a:rPr lang="en-US" b="1" dirty="0" smtClean="0"/>
+              <a:t>Minutes Very Active</a:t>
+            </a:r>
+            <a:r>
+              <a:rPr lang="en-US" dirty="0" smtClean="0"/>
+              <a:t> category</a:t>
+            </a:r>
+          </a:p>
+          <a:p>
+            <a:pPr marL="4229100" lvl="8" indent="-342900">
+              <a:buFont typeface="Arial"/>
+              <a:buChar char="•"/>
+            </a:pPr>
+            <a:r>
+              <a:rPr lang="en-US" b="1" dirty="0" smtClean="0">
+                <a:solidFill>
+                  <a:schemeClr val="accent2"/>
+                </a:solidFill>
+              </a:rPr>
+              <a:t>Cluster 2</a:t>
+            </a:r>
+            <a:r>
+              <a:rPr lang="en-US" dirty="0" smtClean="0"/>
+              <a:t> has a slightly higher mean under </a:t>
+            </a:r>
+            <a:r>
+              <a:rPr lang="en-US" b="1" dirty="0" smtClean="0"/>
+              <a:t>Minutes Lightly Active</a:t>
+            </a:r>
+            <a:r>
+              <a:rPr lang="en-US" dirty="0" smtClean="0"/>
+              <a:t> category</a:t>
+            </a:r>
+            <a:endParaRPr lang="en-US" b="1" dirty="0" smtClean="0"/>
+          </a:p>
+          <a:p>
+            <a:pPr lvl="8" indent="0">
+              <a:buNone/>
+            </a:pPr>
+            <a:endParaRPr lang="en-US" b="1" dirty="0"/>
+          </a:p>
+          <a:p>
+            <a:pPr lvl="8" indent="0">
+              <a:buNone/>
+            </a:pPr>
+            <a:endParaRPr lang="en-US" dirty="0" smtClean="0"/>
+          </a:p>
+          <a:p>
+            <a:pPr lvl="8" indent="0">
+              <a:buNone/>
+            </a:pPr>
+            <a:endParaRPr lang="en-US" dirty="0"/>
+          </a:p>
+          <a:p>
+            <a:pPr lvl="8" indent="0">
+              <a:buNone/>
+            </a:pPr>
+            <a:endParaRPr lang="en-US" dirty="0" smtClean="0"/>
+          </a:p>
+          <a:p>
+            <a:pPr lvl="8" indent="0">
+              <a:buNone/>
+            </a:pPr>
+            <a:endParaRPr lang="en-US" dirty="0"/>
+          </a:p>
+          <a:p>
+            <a:pPr lvl="8" indent="0">
+              <a:buNone/>
+            </a:pPr>
+            <a:r>
+              <a:rPr lang="en-US" dirty="0" smtClean="0"/>
+              <a:t>So it seems the </a:t>
+            </a:r>
+            <a:r>
+              <a:rPr lang="en-US" b="1" dirty="0" smtClean="0"/>
+              <a:t>clusters</a:t>
+            </a:r>
+            <a:r>
+              <a:rPr lang="en-US" dirty="0" smtClean="0"/>
+              <a:t> are formed by the </a:t>
+            </a:r>
+            <a:r>
+              <a:rPr lang="en-US" b="1" dirty="0" smtClean="0"/>
+              <a:t>days of the week</a:t>
+            </a:r>
+            <a:r>
+              <a:rPr lang="en-US" dirty="0" smtClean="0"/>
+              <a:t>, which in turn says a lot about </a:t>
+            </a:r>
+            <a:r>
+              <a:rPr lang="en-US" b="1" dirty="0" smtClean="0"/>
+              <a:t>how active</a:t>
+            </a:r>
+            <a:r>
+              <a:rPr lang="en-US" dirty="0" smtClean="0"/>
+              <a:t> Tracy is on those days</a:t>
+            </a:r>
+          </a:p>
+        </p:txBody>
+      </p:sp>
+      <p:pic>
+        <p:nvPicPr>
+          <p:cNvPr id="8" name="Picture 7"/>
+          <p:cNvPicPr>
+            <a:picLocks noChangeAspect="1"/>
+          </p:cNvPicPr>
+          <p:nvPr/>
+        </p:nvPicPr>
+        <p:blipFill>
+          <a:blip r:embed="rId2"/>
+          <a:stretch>
+            <a:fillRect/>
+          </a:stretch>
+        </p:blipFill>
+        <p:spPr>
+          <a:xfrm>
+            <a:off x="208527" y="298927"/>
+            <a:ext cx="3352800" cy="5080000"/>
+          </a:xfrm>
+          <a:prstGeom prst="rect">
+            <a:avLst/>
+          </a:prstGeom>
+        </p:spPr>
+      </p:pic>
+      <p:cxnSp>
+        <p:nvCxnSpPr>
+          <p:cNvPr id="11" name="Straight Arrow Connector 10"/>
+          <p:cNvCxnSpPr/>
+          <p:nvPr/>
+        </p:nvCxnSpPr>
+        <p:spPr>
+          <a:xfrm flipH="1">
+            <a:off x="3499452" y="4989969"/>
+            <a:ext cx="428549" cy="12828"/>
+          </a:xfrm>
+          <a:prstGeom prst="straightConnector1">
+            <a:avLst/>
+          </a:prstGeom>
+          <a:ln>
+            <a:solidFill>
+              <a:srgbClr val="69D412"/>
+            </a:solidFill>
+            <a:tailEnd type="arrow"/>
+          </a:ln>
+        </p:spPr>
+        <p:style>
+          <a:lnRef idx="2">
+            <a:schemeClr val="accent1"/>
+          </a:lnRef>
+          <a:fillRef idx="0">
+            <a:schemeClr val="accent1"/>
+          </a:fillRef>
+          <a:effectRef idx="1">
+            <a:schemeClr val="accent1"/>
+          </a:effectRef>
+          <a:fontRef idx="minor">
+            <a:schemeClr val="tx1"/>
+          </a:fontRef>
+        </p:style>
+      </p:cxnSp>
+      <p:cxnSp>
+        <p:nvCxnSpPr>
+          <p:cNvPr id="12" name="Straight Arrow Connector 11"/>
+          <p:cNvCxnSpPr/>
+          <p:nvPr/>
+        </p:nvCxnSpPr>
+        <p:spPr>
+          <a:xfrm flipH="1">
+            <a:off x="3499452" y="883578"/>
+            <a:ext cx="428549" cy="12828"/>
+          </a:xfrm>
+          <a:prstGeom prst="straightConnector1">
+            <a:avLst/>
+          </a:prstGeom>
+          <a:ln>
+            <a:solidFill>
+              <a:srgbClr val="36C4C8"/>
+            </a:solidFill>
+            <a:tailEnd type="arrow"/>
+          </a:ln>
+        </p:spPr>
+        <p:style>
+          <a:lnRef idx="2">
+            <a:schemeClr val="accent1"/>
+          </a:lnRef>
+          <a:fillRef idx="0">
+            <a:schemeClr val="accent1"/>
+          </a:fillRef>
+          <a:effectRef idx="1">
+            <a:schemeClr val="accent1"/>
+          </a:effectRef>
+          <a:fontRef idx="minor">
+            <a:schemeClr val="tx1"/>
+          </a:fontRef>
+        </p:style>
+      </p:cxnSp>
+      <p:cxnSp>
+        <p:nvCxnSpPr>
+          <p:cNvPr id="13" name="Straight Arrow Connector 12"/>
+          <p:cNvCxnSpPr/>
+          <p:nvPr/>
+        </p:nvCxnSpPr>
+        <p:spPr>
+          <a:xfrm flipH="1">
+            <a:off x="3499452" y="2602488"/>
+            <a:ext cx="428549" cy="12828"/>
+          </a:xfrm>
+          <a:prstGeom prst="straightConnector1">
+            <a:avLst/>
+          </a:prstGeom>
+          <a:ln>
+            <a:solidFill>
+              <a:schemeClr val="accent2"/>
+            </a:solidFill>
+            <a:tailEnd type="arrow"/>
+          </a:ln>
+        </p:spPr>
+        <p:style>
+          <a:lnRef idx="2">
+            <a:schemeClr val="accent1"/>
+          </a:lnRef>
+          <a:fillRef idx="0">
+            <a:schemeClr val="accent1"/>
+          </a:fillRef>
+          <a:effectRef idx="1">
+            <a:schemeClr val="accent1"/>
+          </a:effectRef>
+          <a:fontRef idx="minor">
+            <a:schemeClr val="tx1"/>
+          </a:fontRef>
+        </p:style>
+      </p:cxnSp>
+    </p:spTree>
+    <p:extLst>
+      <p:ext uri="{BB962C8B-B14F-4D97-AF65-F5344CB8AC3E}">
+        <p14:creationId xmlns:p14="http://schemas.microsoft.com/office/powerpoint/2010/main" val="2782652434"/>
+      </p:ext>
+    </p:extLst>
+  </p:cSld>
+  <p:clrMapOvr>
+    <a:masterClrMapping/>
+  </p:clrMapOvr>
+  <p:timing>
+    <p:tnLst>
+      <p:par>
+        <p:cTn xmlns:p14="http://schemas.microsoft.com/office/powerpoint/2010/main" id="1" dur="indefinite" restart="never" nodeType="tmRoot"/>
+      </p:par>
+    </p:tnLst>
+  </p:timing>
 </p:sld>
 </file>
 
@@ -5925,6 +8458,13 @@
   <p:clrMapOvr>
     <a:masterClrMapping/>
   </p:clrMapOvr>
+  <p:timing>
+    <p:tnLst>
+      <p:par>
+        <p:cTn xmlns:p14="http://schemas.microsoft.com/office/powerpoint/2010/main" id="1" dur="indefinite" restart="never" nodeType="tmRoot"/>
+      </p:par>
+    </p:tnLst>
+  </p:timing>
 </p:sld>
 </file>
 
@@ -6078,6 +8618,13 @@
   <p:clrMapOvr>
     <a:masterClrMapping/>
   </p:clrMapOvr>
+  <p:timing>
+    <p:tnLst>
+      <p:par>
+        <p:cTn xmlns:p14="http://schemas.microsoft.com/office/powerpoint/2010/main" id="1" dur="indefinite" restart="never" nodeType="tmRoot"/>
+      </p:par>
+    </p:tnLst>
+  </p:timing>
 </p:sld>
 </file>
 
@@ -6515,6 +9062,13 @@
   <p:clrMapOvr>
     <a:masterClrMapping/>
   </p:clrMapOvr>
+  <p:timing>
+    <p:tnLst>
+      <p:par>
+        <p:cTn xmlns:p14="http://schemas.microsoft.com/office/powerpoint/2010/main" id="1" dur="indefinite" restart="never" nodeType="tmRoot"/>
+      </p:par>
+    </p:tnLst>
+  </p:timing>
 </p:sld>
 </file>
 
@@ -6687,6 +9241,13 @@
   <p:clrMapOvr>
     <a:masterClrMapping/>
   </p:clrMapOvr>
+  <p:timing>
+    <p:tnLst>
+      <p:par>
+        <p:cTn xmlns:p14="http://schemas.microsoft.com/office/powerpoint/2010/main" id="1" dur="indefinite" restart="never" nodeType="tmRoot"/>
+      </p:par>
+    </p:tnLst>
+  </p:timing>
 </p:sld>
 </file>
 
@@ -7126,6 +9687,13 @@
   <p:clrMapOvr>
     <a:masterClrMapping/>
   </p:clrMapOvr>
+  <p:timing>
+    <p:tnLst>
+      <p:par>
+        <p:cTn xmlns:p14="http://schemas.microsoft.com/office/powerpoint/2010/main" id="1" dur="indefinite" restart="never" nodeType="tmRoot"/>
+      </p:par>
+    </p:tnLst>
+  </p:timing>
 </p:sld>
 </file>
 
@@ -7424,6 +9992,13 @@
   <p:clrMapOvr>
     <a:masterClrMapping/>
   </p:clrMapOvr>
+  <p:timing>
+    <p:tnLst>
+      <p:par>
+        <p:cTn xmlns:p14="http://schemas.microsoft.com/office/powerpoint/2010/main" id="1" dur="indefinite" restart="never" nodeType="tmRoot"/>
+      </p:par>
+    </p:tnLst>
+  </p:timing>
 </p:sld>
 </file>
 
@@ -7746,6 +10321,13 @@
   <p:clrMapOvr>
     <a:masterClrMapping/>
   </p:clrMapOvr>
+  <p:timing>
+    <p:tnLst>
+      <p:par>
+        <p:cTn xmlns:p14="http://schemas.microsoft.com/office/powerpoint/2010/main" id="1" dur="indefinite" restart="never" nodeType="tmRoot"/>
+      </p:par>
+    </p:tnLst>
+  </p:timing>
 </p:sld>
 </file>
 
